--- a/Meeting-25.11.2016.pptx
+++ b/Meeting-25.11.2016.pptx
@@ -116,6 +116,11 @@
       </a:defRPr>
     </a:lvl9pPr>
   </p:defaultTextStyle>
+  <p:extLst>
+    <p:ext uri="{EFAFB233-063F-42B5-8137-9DF3F51BA10A}">
+      <p15:sldGuideLst xmlns:p15="http://schemas.microsoft.com/office/powerpoint/2012/main"/>
+    </p:ext>
+  </p:extLst>
 </p:presentation>
 </file>
 
@@ -6053,12 +6058,12 @@
           <a:graphicData uri="http://schemas.openxmlformats.org/presentationml/2006/ole">
             <mc:AlternateContent xmlns:mc="http://schemas.openxmlformats.org/markup-compatibility/2006">
               <mc:Choice xmlns:v="urn:schemas-microsoft-com:vml" Requires="v">
-                <p:oleObj spid="_x0000_s6148" name="Visio" r:id="rId3" imgW="11788858" imgH="4506271" progId="Visio.Drawing.15">
+                <p:oleObj spid="_x0000_s6149" name="Visio" r:id="rId4" imgW="11788858" imgH="4506271" progId="Visio.Drawing.15">
                   <p:embed/>
                 </p:oleObj>
               </mc:Choice>
               <mc:Fallback>
-                <p:oleObj name="Visio" r:id="rId3" imgW="11788858" imgH="4506271" progId="Visio.Drawing.15">
+                <p:oleObj name="Visio" r:id="rId4" imgW="11788858" imgH="4506271" progId="Visio.Drawing.15">
                   <p:embed/>
                   <p:pic>
                     <p:nvPicPr>
@@ -6069,7 +6074,7 @@
                       <p:nvPr/>
                     </p:nvPicPr>
                     <p:blipFill>
-                      <a:blip r:embed="rId4">
+                      <a:blip r:embed="rId5">
                         <a:extLst>
                           <a:ext uri="{28A0092B-C50C-407E-A947-70E740481C1C}">
                             <a14:useLocalDpi xmlns:a14="http://schemas.microsoft.com/office/drawing/2010/main" val="0"/>
@@ -6165,30 +6170,6 @@
       </p:sp>
       <p:sp>
         <p:nvSpPr>
-          <p:cNvPr id="3" name="Content Placeholder 2"/>
-          <p:cNvSpPr>
-            <a:spLocks noGrp="1"/>
-          </p:cNvSpPr>
-          <p:nvPr>
-            <p:ph idx="1"/>
-          </p:nvPr>
-        </p:nvSpPr>
-        <p:spPr>
-          <a:xfrm>
-            <a:off x="677334" y="1359569"/>
-            <a:ext cx="8596668" cy="4681794"/>
-          </a:xfrm>
-        </p:spPr>
-        <p:txBody>
-          <a:bodyPr/>
-          <a:lstStyle/>
-          <a:p>
-            <a:endParaRPr lang="bg-BG" dirty="0"/>
-          </a:p>
-        </p:txBody>
-      </p:sp>
-      <p:sp>
-        <p:nvSpPr>
           <p:cNvPr id="4" name="Rectangle 2"/>
           <p:cNvSpPr>
             <a:spLocks noChangeArrowheads="1"/>
@@ -6272,12 +6253,12 @@
           <a:graphicData uri="http://schemas.openxmlformats.org/presentationml/2006/ole">
             <mc:AlternateContent xmlns:mc="http://schemas.openxmlformats.org/markup-compatibility/2006">
               <mc:Choice xmlns:v="urn:schemas-microsoft-com:vml" Requires="v">
-                <p:oleObj spid="_x0000_s7172" name="Visio" r:id="rId3" imgW="11356952" imgH="4044415" progId="Visio.Drawing.15">
+                <p:oleObj spid="_x0000_s7173" name="Visio" r:id="rId4" imgW="11356952" imgH="4044415" progId="Visio.Drawing.15">
                   <p:embed/>
                 </p:oleObj>
               </mc:Choice>
               <mc:Fallback>
-                <p:oleObj name="Visio" r:id="rId3" imgW="11356952" imgH="4044415" progId="Visio.Drawing.15">
+                <p:oleObj name="Visio" r:id="rId4" imgW="11356952" imgH="4044415" progId="Visio.Drawing.15">
                   <p:embed/>
                   <p:pic>
                     <p:nvPicPr>
@@ -6288,7 +6269,7 @@
                       <p:nvPr/>
                     </p:nvPicPr>
                     <p:blipFill>
-                      <a:blip r:embed="rId4">
+                      <a:blip r:embed="rId5">
                         <a:extLst>
                           <a:ext uri="{28A0092B-C50C-407E-A947-70E740481C1C}">
                             <a14:useLocalDpi xmlns:a14="http://schemas.microsoft.com/office/drawing/2010/main" val="0"/>
@@ -6495,12 +6476,12 @@
           <a:graphicData uri="http://schemas.openxmlformats.org/presentationml/2006/ole">
             <mc:AlternateContent xmlns:mc="http://schemas.openxmlformats.org/markup-compatibility/2006">
               <mc:Choice xmlns:v="urn:schemas-microsoft-com:vml" Requires="v">
-                <p:oleObj spid="_x0000_s8198" name="Visio" r:id="rId3" imgW="13183912" imgH="4506271" progId="Visio.Drawing.15">
+                <p:oleObj spid="_x0000_s8199" name="Visio" r:id="rId4" imgW="13183912" imgH="4506271" progId="Visio.Drawing.15">
                   <p:embed/>
                 </p:oleObj>
               </mc:Choice>
               <mc:Fallback>
-                <p:oleObj name="Visio" r:id="rId3" imgW="13183912" imgH="4506271" progId="Visio.Drawing.15">
+                <p:oleObj name="Visio" r:id="rId4" imgW="13183912" imgH="4506271" progId="Visio.Drawing.15">
                   <p:embed/>
                   <p:pic>
                     <p:nvPicPr>
@@ -6511,7 +6492,7 @@
                       <p:nvPr/>
                     </p:nvPicPr>
                     <p:blipFill>
-                      <a:blip r:embed="rId4">
+                      <a:blip r:embed="rId5">
                         <a:extLst>
                           <a:ext uri="{28A0092B-C50C-407E-A947-70E740481C1C}">
                             <a14:useLocalDpi xmlns:a14="http://schemas.microsoft.com/office/drawing/2010/main" val="0"/>
@@ -7253,12 +7234,12 @@
           <a:graphicData uri="http://schemas.openxmlformats.org/presentationml/2006/ole">
             <mc:AlternateContent xmlns:mc="http://schemas.openxmlformats.org/markup-compatibility/2006">
               <mc:Choice xmlns:v="urn:schemas-microsoft-com:vml" Requires="v">
-                <p:oleObj spid="_x0000_s1030" name="Visio" r:id="rId3" imgW="9341034" imgH="4389930" progId="Visio.Drawing.15">
+                <p:oleObj spid="_x0000_s1031" name="Visio" r:id="rId4" imgW="9341034" imgH="4389930" progId="Visio.Drawing.15">
                   <p:embed/>
                 </p:oleObj>
               </mc:Choice>
               <mc:Fallback>
-                <p:oleObj name="Visio" r:id="rId3" imgW="9341034" imgH="4389930" progId="Visio.Drawing.15">
+                <p:oleObj name="Visio" r:id="rId4" imgW="9341034" imgH="4389930" progId="Visio.Drawing.15">
                   <p:embed/>
                   <p:pic>
                     <p:nvPicPr>
@@ -7269,7 +7250,7 @@
                       <p:nvPr/>
                     </p:nvPicPr>
                     <p:blipFill>
-                      <a:blip r:embed="rId4">
+                      <a:blip r:embed="rId5">
                         <a:extLst>
                           <a:ext uri="{28A0092B-C50C-407E-A947-70E740481C1C}">
                             <a14:useLocalDpi xmlns:a14="http://schemas.microsoft.com/office/drawing/2010/main" val="0"/>
@@ -7475,12 +7456,12 @@
           <a:graphicData uri="http://schemas.openxmlformats.org/presentationml/2006/ole">
             <mc:AlternateContent xmlns:mc="http://schemas.openxmlformats.org/markup-compatibility/2006">
               <mc:Choice xmlns:v="urn:schemas-microsoft-com:vml" Requires="v">
-                <p:oleObj spid="_x0000_s2054" name="Visio" r:id="rId3" imgW="7774837" imgH="4389930" progId="Visio.Drawing.15">
+                <p:oleObj spid="_x0000_s2055" name="Visio" r:id="rId4" imgW="7774837" imgH="4389930" progId="Visio.Drawing.15">
                   <p:embed/>
                 </p:oleObj>
               </mc:Choice>
               <mc:Fallback>
-                <p:oleObj name="Visio" r:id="rId3" imgW="7774837" imgH="4389930" progId="Visio.Drawing.15">
+                <p:oleObj name="Visio" r:id="rId4" imgW="7774837" imgH="4389930" progId="Visio.Drawing.15">
                   <p:embed/>
                   <p:pic>
                     <p:nvPicPr>
@@ -7491,7 +7472,7 @@
                       <p:nvPr/>
                     </p:nvPicPr>
                     <p:blipFill>
-                      <a:blip r:embed="rId4">
+                      <a:blip r:embed="rId5">
                         <a:extLst>
                           <a:ext uri="{28A0092B-C50C-407E-A947-70E740481C1C}">
                             <a14:useLocalDpi xmlns:a14="http://schemas.microsoft.com/office/drawing/2010/main" val="0"/>
@@ -7700,12 +7681,12 @@
           <a:graphicData uri="http://schemas.openxmlformats.org/presentationml/2006/ole">
             <mc:AlternateContent xmlns:mc="http://schemas.openxmlformats.org/markup-compatibility/2006">
               <mc:Choice xmlns:v="urn:schemas-microsoft-com:vml" Requires="v">
-                <p:oleObj spid="_x0000_s3077" name="Visio" r:id="rId3" imgW="13799917" imgH="4470100" progId="Visio.Drawing.15">
+                <p:oleObj spid="_x0000_s3078" name="Visio" r:id="rId4" imgW="13799917" imgH="4470100" progId="Visio.Drawing.15">
                   <p:embed/>
                 </p:oleObj>
               </mc:Choice>
               <mc:Fallback>
-                <p:oleObj name="Visio" r:id="rId3" imgW="13799917" imgH="4470100" progId="Visio.Drawing.15">
+                <p:oleObj name="Visio" r:id="rId4" imgW="13799917" imgH="4470100" progId="Visio.Drawing.15">
                   <p:embed/>
                   <p:pic>
                     <p:nvPicPr>
@@ -7716,7 +7697,7 @@
                       <p:nvPr/>
                     </p:nvPicPr>
                     <p:blipFill>
-                      <a:blip r:embed="rId4">
+                      <a:blip r:embed="rId5">
                         <a:extLst>
                           <a:ext uri="{28A0092B-C50C-407E-A947-70E740481C1C}">
                             <a14:useLocalDpi xmlns:a14="http://schemas.microsoft.com/office/drawing/2010/main" val="0"/>
@@ -7925,12 +7906,12 @@
           <a:graphicData uri="http://schemas.openxmlformats.org/presentationml/2006/ole">
             <mc:AlternateContent xmlns:mc="http://schemas.openxmlformats.org/markup-compatibility/2006">
               <mc:Choice xmlns:v="urn:schemas-microsoft-com:vml" Requires="v">
-                <p:oleObj spid="_x0000_s4101" name="Visio" r:id="rId3" imgW="12238849" imgH="3684593" progId="Visio.Drawing.15">
+                <p:oleObj spid="_x0000_s4102" name="Visio" r:id="rId4" imgW="12238849" imgH="3684593" progId="Visio.Drawing.15">
                   <p:embed/>
                 </p:oleObj>
               </mc:Choice>
               <mc:Fallback>
-                <p:oleObj name="Visio" r:id="rId3" imgW="12238849" imgH="3684593" progId="Visio.Drawing.15">
+                <p:oleObj name="Visio" r:id="rId4" imgW="12238849" imgH="3684593" progId="Visio.Drawing.15">
                   <p:embed/>
                   <p:pic>
                     <p:nvPicPr>
@@ -7941,7 +7922,7 @@
                       <p:nvPr/>
                     </p:nvPicPr>
                     <p:blipFill>
-                      <a:blip r:embed="rId4">
+                      <a:blip r:embed="rId5">
                         <a:extLst>
                           <a:ext uri="{28A0092B-C50C-407E-A947-70E740481C1C}">
                             <a14:useLocalDpi xmlns:a14="http://schemas.microsoft.com/office/drawing/2010/main" val="0"/>
@@ -8150,12 +8131,12 @@
           <a:graphicData uri="http://schemas.openxmlformats.org/presentationml/2006/ole">
             <mc:AlternateContent xmlns:mc="http://schemas.openxmlformats.org/markup-compatibility/2006">
               <mc:Choice xmlns:v="urn:schemas-microsoft-com:vml" Requires="v">
-                <p:oleObj spid="_x0000_s5124" name="Visio" r:id="rId3" imgW="16486909" imgH="8509656" progId="Visio.Drawing.15">
+                <p:oleObj spid="_x0000_s5125" name="Visio" r:id="rId4" imgW="16486909" imgH="8509656" progId="Visio.Drawing.15">
                   <p:embed/>
                 </p:oleObj>
               </mc:Choice>
               <mc:Fallback>
-                <p:oleObj name="Visio" r:id="rId3" imgW="16486909" imgH="8509656" progId="Visio.Drawing.15">
+                <p:oleObj name="Visio" r:id="rId4" imgW="16486909" imgH="8509656" progId="Visio.Drawing.15">
                   <p:embed/>
                   <p:pic>
                     <p:nvPicPr>
@@ -8166,7 +8147,7 @@
                       <p:nvPr/>
                     </p:nvPicPr>
                     <p:blipFill>
-                      <a:blip r:embed="rId4">
+                      <a:blip r:embed="rId5">
                         <a:extLst>
                           <a:ext uri="{28A0092B-C50C-407E-A947-70E740481C1C}">
                             <a14:useLocalDpi xmlns:a14="http://schemas.microsoft.com/office/drawing/2010/main" val="0"/>
